--- a/1 - Apresentações/05 - Tipos de variáveis aleatórias.pptx
+++ b/1 - Apresentações/05 - Tipos de variáveis aleatórias.pptx
@@ -9683,7 +9683,7 @@
           <a:p>
             <a:fld id="{CB319B93-40EA-49FB-8044-9118D2E3CA83}" type="datetimeFigureOut">
               <a:rPr lang="en-US" smtClean="0"/>
-              <a:t>6/2/2021</a:t>
+              <a:t>6/16/2021</a:t>
             </a:fld>
             <a:endParaRPr lang="en-US"/>
           </a:p>
@@ -9890,7 +9890,7 @@
           <a:p>
             <a:fld id="{CB319B93-40EA-49FB-8044-9118D2E3CA83}" type="datetimeFigureOut">
               <a:rPr lang="en-US" smtClean="0"/>
-              <a:t>6/2/2021</a:t>
+              <a:t>6/16/2021</a:t>
             </a:fld>
             <a:endParaRPr lang="en-US"/>
           </a:p>
@@ -10070,7 +10070,7 @@
           <a:p>
             <a:fld id="{CB319B93-40EA-49FB-8044-9118D2E3CA83}" type="datetimeFigureOut">
               <a:rPr lang="en-US" smtClean="0"/>
-              <a:t>6/2/2021</a:t>
+              <a:t>6/16/2021</a:t>
             </a:fld>
             <a:endParaRPr lang="en-US"/>
           </a:p>
@@ -10275,7 +10275,7 @@
           <a:p>
             <a:fld id="{CB319B93-40EA-49FB-8044-9118D2E3CA83}" type="datetimeFigureOut">
               <a:rPr lang="en-US" smtClean="0"/>
-              <a:t>6/2/2021</a:t>
+              <a:t>6/16/2021</a:t>
             </a:fld>
             <a:endParaRPr lang="en-US"/>
           </a:p>
@@ -19173,7 +19173,7 @@
           <a:p>
             <a:fld id="{CB319B93-40EA-49FB-8044-9118D2E3CA83}" type="datetimeFigureOut">
               <a:rPr lang="en-US" smtClean="0"/>
-              <a:t>6/2/2021</a:t>
+              <a:t>6/16/2021</a:t>
             </a:fld>
             <a:endParaRPr lang="en-US"/>
           </a:p>
@@ -19447,7 +19447,7 @@
           <a:p>
             <a:fld id="{CB319B93-40EA-49FB-8044-9118D2E3CA83}" type="datetimeFigureOut">
               <a:rPr lang="en-US" smtClean="0"/>
-              <a:t>6/2/2021</a:t>
+              <a:t>6/16/2021</a:t>
             </a:fld>
             <a:endParaRPr lang="en-US"/>
           </a:p>
@@ -19845,7 +19845,7 @@
           <a:p>
             <a:fld id="{CB319B93-40EA-49FB-8044-9118D2E3CA83}" type="datetimeFigureOut">
               <a:rPr lang="en-US" smtClean="0"/>
-              <a:t>6/2/2021</a:t>
+              <a:t>6/16/2021</a:t>
             </a:fld>
             <a:endParaRPr lang="en-US"/>
           </a:p>
@@ -19963,7 +19963,7 @@
           <a:p>
             <a:fld id="{CB319B93-40EA-49FB-8044-9118D2E3CA83}" type="datetimeFigureOut">
               <a:rPr lang="en-US" smtClean="0"/>
-              <a:t>6/2/2021</a:t>
+              <a:t>6/16/2021</a:t>
             </a:fld>
             <a:endParaRPr lang="en-US"/>
           </a:p>
@@ -20058,7 +20058,7 @@
           <a:p>
             <a:fld id="{CB319B93-40EA-49FB-8044-9118D2E3CA83}" type="datetimeFigureOut">
               <a:rPr lang="en-US" smtClean="0"/>
-              <a:t>6/2/2021</a:t>
+              <a:t>6/16/2021</a:t>
             </a:fld>
             <a:endParaRPr lang="en-US"/>
           </a:p>
@@ -20348,7 +20348,7 @@
           <a:p>
             <a:fld id="{CB319B93-40EA-49FB-8044-9118D2E3CA83}" type="datetimeFigureOut">
               <a:rPr lang="en-US" smtClean="0"/>
-              <a:t>6/2/2021</a:t>
+              <a:t>6/16/2021</a:t>
             </a:fld>
             <a:endParaRPr lang="en-US"/>
           </a:p>
@@ -20628,7 +20628,7 @@
           <a:p>
             <a:fld id="{CB319B93-40EA-49FB-8044-9118D2E3CA83}" type="datetimeFigureOut">
               <a:rPr lang="en-US" smtClean="0"/>
-              <a:t>6/2/2021</a:t>
+              <a:t>6/16/2021</a:t>
             </a:fld>
             <a:endParaRPr lang="en-US"/>
           </a:p>
@@ -20878,7 +20878,7 @@
           <a:p>
             <a:fld id="{CB319B93-40EA-49FB-8044-9118D2E3CA83}" type="datetimeFigureOut">
               <a:rPr lang="en-US" smtClean="0"/>
-              <a:t>6/2/2021</a:t>
+              <a:t>6/16/2021</a:t>
             </a:fld>
             <a:endParaRPr lang="en-US"/>
           </a:p>
